--- a/server/presentations/Lab-03_Simple_N1QL.pptx
+++ b/server/presentations/Lab-03_Simple_N1QL.pptx
@@ -207,7 +207,7 @@
           <a:p>
             <a:fld id="{B5389E1E-C654-E943-9883-792E99AD7287}" type="datetimeFigureOut">
               <a:rPr lang="en-US" smtClean="0"/>
-              <a:t>01/06/15</a:t>
+              <a:t>6/2/15</a:t>
             </a:fld>
             <a:endParaRPr lang="en-US"/>
           </a:p>
@@ -273,7 +273,7 @@
           <a:p>
             <a:fld id="{0550E822-5F4D-874B-B26E-81691243670C}" type="slidenum">
               <a:rPr lang="en-US" smtClean="0"/>
-              <a:t>‹Nr.›</a:t>
+              <a:t>‹#›</a:t>
             </a:fld>
             <a:endParaRPr lang="en-US"/>
           </a:p>
@@ -373,7 +373,7 @@
           <a:p>
             <a:fld id="{9920D99B-2862-464A-984E-65BFC5FC0BBC}" type="datetimeFigureOut">
               <a:rPr lang="en-US" smtClean="0"/>
-              <a:t>01/06/15</a:t>
+              <a:t>6/2/15</a:t>
             </a:fld>
             <a:endParaRPr lang="en-US"/>
           </a:p>
@@ -532,7 +532,7 @@
           <a:p>
             <a:fld id="{F39351FC-18D6-4741-8EEB-9FDB1F020AAC}" type="slidenum">
               <a:rPr lang="en-US" smtClean="0"/>
-              <a:t>‹Nr.›</a:t>
+              <a:t>‹#›</a:t>
             </a:fld>
             <a:endParaRPr lang="en-US"/>
           </a:p>
@@ -1326,7 +1326,7 @@
           <a:p>
             <a:fld id="{C25E7766-B4D4-B545-BC12-CA0EFEB1F16F}" type="slidenum">
               <a:rPr lang="en-US" smtClean="0"/>
-              <a:t>‹Nr.›</a:t>
+              <a:t>‹#›</a:t>
             </a:fld>
             <a:endParaRPr lang="en-US" dirty="0"/>
           </a:p>
@@ -1809,7 +1809,7 @@
           <a:p>
             <a:fld id="{C25E7766-B4D4-B545-BC12-CA0EFEB1F16F}" type="slidenum">
               <a:rPr lang="en-US" smtClean="0"/>
-              <a:t>‹Nr.›</a:t>
+              <a:t>‹#›</a:t>
             </a:fld>
             <a:endParaRPr lang="en-US" dirty="0"/>
           </a:p>
@@ -2165,7 +2165,7 @@
           <a:p>
             <a:fld id="{C25E7766-B4D4-B545-BC12-CA0EFEB1F16F}" type="slidenum">
               <a:rPr lang="en-US" smtClean="0"/>
-              <a:t>‹Nr.›</a:t>
+              <a:t>‹#›</a:t>
             </a:fld>
             <a:endParaRPr lang="en-US" dirty="0"/>
           </a:p>
@@ -2862,7 +2862,7 @@
           <a:p>
             <a:fld id="{C25E7766-B4D4-B545-BC12-CA0EFEB1F16F}" type="slidenum">
               <a:rPr lang="en-US" smtClean="0"/>
-              <a:t>‹Nr.›</a:t>
+              <a:t>‹#›</a:t>
             </a:fld>
             <a:endParaRPr lang="en-US" dirty="0"/>
           </a:p>
@@ -3074,7 +3074,7 @@
             <a:fld id="{E728A94C-44F1-DF43-8BD8-694E750DEF33}" type="slidenum">
               <a:rPr lang="en-US" smtClean="0"/>
               <a:pPr/>
-              <a:t>‹Nr.›</a:t>
+              <a:t>‹#›</a:t>
             </a:fld>
             <a:endParaRPr lang="en-US"/>
           </a:p>
@@ -3428,10 +3428,6 @@
           <a:bodyPr/>
           <a:lstStyle/>
           <a:p>
-            <a:r>
-              <a:rPr lang="en-US" dirty="0" smtClean="0"/>
-              <a:t>Subtitle</a:t>
-            </a:r>
             <a:endParaRPr lang="en-US" dirty="0"/>
           </a:p>
         </p:txBody>
